--- a/tolerance-web/doc/six_hackathon_tolerance_data_checks_presentation.pptx
+++ b/tolerance-web/doc/six_hackathon_tolerance_data_checks_presentation.pptx
@@ -6,9 +6,10 @@
   </p:sldMasterIdLst>
   <p:sldIdLst>
     <p:sldId id="257" r:id="rId2"/>
-    <p:sldId id="256" r:id="rId3"/>
-    <p:sldId id="258" r:id="rId4"/>
-    <p:sldId id="259" r:id="rId5"/>
+    <p:sldId id="258" r:id="rId3"/>
+    <p:sldId id="260" r:id="rId4"/>
+    <p:sldId id="256" r:id="rId5"/>
+    <p:sldId id="259" r:id="rId6"/>
   </p:sldIdLst>
   <p:sldSz cx="9144000" cy="6858000" type="screen4x3"/>
   <p:notesSz cx="6858000" cy="9144000"/>
@@ -3193,8 +3194,12 @@
           <a:lstStyle/>
           <a:p>
             <a:r>
-              <a:rPr lang="de-DE" sz="3200" smtClean="0"/>
-              <a:t>							Hackathon</a:t>
+              <a:rPr lang="de-DE" sz="3200" dirty="0" smtClean="0"/>
+              <a:t>							</a:t>
+            </a:r>
+            <a:r>
+              <a:rPr lang="de-DE" sz="3200" dirty="0" err="1" smtClean="0"/>
+              <a:t>Hackathon</a:t>
             </a:r>
             <a:r>
               <a:rPr lang="de-DE" sz="3200" dirty="0" smtClean="0"/>
@@ -3437,10 +3442,184 @@
           <a:chExt cx="0" cy="0"/>
         </a:xfrm>
       </p:grpSpPr>
+      <p:sp>
+        <p:nvSpPr>
+          <p:cNvPr id="4" name="Textfeld 3"/>
+          <p:cNvSpPr txBox="1"/>
+          <p:nvPr/>
+        </p:nvSpPr>
+        <p:spPr>
+          <a:xfrm>
+            <a:off x="204773" y="320056"/>
+            <a:ext cx="8489146" cy="646331"/>
+          </a:xfrm>
+          <a:prstGeom prst="rect">
+            <a:avLst/>
+          </a:prstGeom>
+          <a:noFill/>
+        </p:spPr>
+        <p:txBody>
+          <a:bodyPr wrap="square" rtlCol="0">
+            <a:spAutoFit/>
+          </a:bodyPr>
+          <a:lstStyle/>
+          <a:p>
+            <a:r>
+              <a:rPr lang="de-DE" sz="3600" dirty="0" smtClean="0"/>
+              <a:t>Problem</a:t>
+            </a:r>
+            <a:endParaRPr lang="de-DE" sz="3600" dirty="0"/>
+          </a:p>
+        </p:txBody>
+      </p:sp>
+      <p:sp>
+        <p:nvSpPr>
+          <p:cNvPr id="6" name="Rechteck 5"/>
+          <p:cNvSpPr/>
+          <p:nvPr/>
+        </p:nvSpPr>
+        <p:spPr>
+          <a:xfrm>
+            <a:off x="296425" y="1367575"/>
+            <a:ext cx="8397493" cy="1569660"/>
+          </a:xfrm>
+          <a:prstGeom prst="rect">
+            <a:avLst/>
+          </a:prstGeom>
+        </p:spPr>
+        <p:txBody>
+          <a:bodyPr wrap="square">
+            <a:spAutoFit/>
+          </a:bodyPr>
+          <a:lstStyle/>
+          <a:p>
+            <a:r>
+              <a:rPr lang="de-DE" sz="3200" dirty="0" err="1" smtClean="0"/>
+              <a:t>Implement</a:t>
+            </a:r>
+            <a:r>
+              <a:rPr lang="de-DE" sz="3200" dirty="0" smtClean="0"/>
+              <a:t> </a:t>
+            </a:r>
+            <a:r>
+              <a:rPr lang="de-DE" sz="3200" dirty="0" err="1" smtClean="0"/>
+              <a:t>scalable</a:t>
+            </a:r>
+            <a:r>
+              <a:rPr lang="de-DE" sz="3200" dirty="0" smtClean="0"/>
+              <a:t> </a:t>
+            </a:r>
+            <a:r>
+              <a:rPr lang="de-DE" sz="3200" dirty="0" err="1" smtClean="0"/>
+              <a:t>automated</a:t>
+            </a:r>
+            <a:r>
+              <a:rPr lang="de-DE" sz="3200" dirty="0" smtClean="0"/>
+              <a:t> </a:t>
+            </a:r>
+            <a:r>
+              <a:rPr lang="de-DE" sz="3200" dirty="0" err="1" smtClean="0"/>
+              <a:t>machine</a:t>
+            </a:r>
+            <a:r>
+              <a:rPr lang="de-DE" sz="3200" dirty="0" smtClean="0"/>
+              <a:t> </a:t>
+            </a:r>
+            <a:r>
+              <a:rPr lang="de-DE" sz="3200" dirty="0" err="1" smtClean="0"/>
+              <a:t>learning</a:t>
+            </a:r>
+            <a:r>
+              <a:rPr lang="de-DE" sz="3200" dirty="0" smtClean="0"/>
+              <a:t> </a:t>
+            </a:r>
+            <a:r>
+              <a:rPr lang="de-DE" sz="3200" dirty="0" err="1" smtClean="0"/>
+              <a:t>algorithm</a:t>
+            </a:r>
+            <a:r>
+              <a:rPr lang="de-DE" sz="3200" dirty="0" smtClean="0"/>
+              <a:t> </a:t>
+            </a:r>
+            <a:r>
+              <a:rPr lang="de-DE" sz="3200" dirty="0" err="1" smtClean="0"/>
+              <a:t>to</a:t>
+            </a:r>
+            <a:r>
+              <a:rPr lang="de-DE" sz="3200" dirty="0" smtClean="0"/>
+              <a:t> </a:t>
+            </a:r>
+            <a:r>
+              <a:rPr lang="de-DE" sz="3200" dirty="0" err="1" smtClean="0"/>
+              <a:t>support</a:t>
+            </a:r>
+            <a:r>
+              <a:rPr lang="de-DE" sz="3200" dirty="0" smtClean="0"/>
+              <a:t> </a:t>
+            </a:r>
+            <a:r>
+              <a:rPr lang="de-DE" sz="3200" dirty="0" err="1" smtClean="0"/>
+              <a:t>user</a:t>
+            </a:r>
+            <a:r>
+              <a:rPr lang="de-DE" sz="3200" dirty="0" smtClean="0"/>
+              <a:t> </a:t>
+            </a:r>
+            <a:r>
+              <a:rPr lang="de-DE" sz="3200" dirty="0" err="1" smtClean="0"/>
+              <a:t>based</a:t>
+            </a:r>
+            <a:r>
+              <a:rPr lang="de-DE" sz="3200" dirty="0" smtClean="0"/>
+              <a:t> </a:t>
+            </a:r>
+            <a:r>
+              <a:rPr lang="de-DE" sz="3200" dirty="0" err="1" smtClean="0"/>
+              <a:t>publicaiton</a:t>
+            </a:r>
+            <a:r>
+              <a:rPr lang="de-DE" sz="3200" dirty="0" smtClean="0"/>
+              <a:t> </a:t>
+            </a:r>
+            <a:r>
+              <a:rPr lang="de-DE" sz="3200" dirty="0" err="1" smtClean="0"/>
+              <a:t>decision</a:t>
+            </a:r>
+            <a:r>
+              <a:rPr lang="de-DE" sz="3200" dirty="0" smtClean="0"/>
+              <a:t> on real time </a:t>
+            </a:r>
+            <a:r>
+              <a:rPr lang="de-DE" sz="3200" dirty="0" err="1" smtClean="0"/>
+              <a:t>financial</a:t>
+            </a:r>
+            <a:r>
+              <a:rPr lang="de-DE" sz="3200" dirty="0" smtClean="0"/>
+              <a:t> </a:t>
+            </a:r>
+            <a:r>
+              <a:rPr lang="de-DE" sz="3200" dirty="0" err="1" smtClean="0"/>
+              <a:t>market</a:t>
+            </a:r>
+            <a:r>
+              <a:rPr lang="de-DE" sz="3200" dirty="0" smtClean="0"/>
+              <a:t> </a:t>
+            </a:r>
+            <a:r>
+              <a:rPr lang="de-DE" sz="3200" dirty="0" err="1" smtClean="0"/>
+              <a:t>data</a:t>
+            </a:r>
+            <a:r>
+              <a:rPr lang="de-DE" sz="3200" dirty="0" smtClean="0"/>
+              <a:t>.</a:t>
+            </a:r>
+          </a:p>
+        </p:txBody>
+      </p:sp>
     </p:spTree>
     <p:extLst>
       <p:ext uri="{BB962C8B-B14F-4D97-AF65-F5344CB8AC3E}">
-        <p14:creationId xmlns:p14="http://schemas.microsoft.com/office/powerpoint/2010/main" val="2518500400"/>
+        <p14:creationId xmlns:p14="http://schemas.microsoft.com/office/powerpoint/2010/main" val="3040466632"/>
       </p:ext>
     </p:extLst>
   </p:cSld>
@@ -3469,38 +3648,123 @@
       </p:grpSpPr>
       <p:sp>
         <p:nvSpPr>
-          <p:cNvPr id="2" name="Titel 1"/>
-          <p:cNvSpPr>
-            <a:spLocks noGrp="1"/>
-          </p:cNvSpPr>
-          <p:nvPr>
-            <p:ph type="ctrTitle"/>
-          </p:nvPr>
-        </p:nvSpPr>
-        <p:spPr/>
-        <p:txBody>
-          <a:bodyPr/>
-          <a:lstStyle/>
-          <a:p>
-            <a:endParaRPr lang="de-DE"/>
-          </a:p>
-        </p:txBody>
-      </p:sp>
-      <p:sp>
-        <p:nvSpPr>
-          <p:cNvPr id="3" name="Untertitel 2"/>
-          <p:cNvSpPr>
-            <a:spLocks noGrp="1"/>
-          </p:cNvSpPr>
-          <p:nvPr>
-            <p:ph type="subTitle" idx="1"/>
-          </p:nvPr>
-        </p:nvSpPr>
-        <p:spPr/>
-        <p:txBody>
-          <a:bodyPr/>
-          <a:lstStyle/>
-          <a:p>
+          <p:cNvPr id="4" name="Textfeld 3"/>
+          <p:cNvSpPr txBox="1"/>
+          <p:nvPr/>
+        </p:nvSpPr>
+        <p:spPr>
+          <a:xfrm>
+            <a:off x="204773" y="477184"/>
+            <a:ext cx="8489146" cy="646331"/>
+          </a:xfrm>
+          <a:prstGeom prst="rect">
+            <a:avLst/>
+          </a:prstGeom>
+          <a:noFill/>
+        </p:spPr>
+        <p:txBody>
+          <a:bodyPr wrap="square" rtlCol="0">
+            <a:spAutoFit/>
+          </a:bodyPr>
+          <a:lstStyle/>
+          <a:p>
+            <a:r>
+              <a:rPr lang="de-DE" sz="3600" dirty="0" smtClean="0"/>
+              <a:t>Approach</a:t>
+            </a:r>
+            <a:endParaRPr lang="de-DE" sz="3600" dirty="0"/>
+          </a:p>
+        </p:txBody>
+      </p:sp>
+      <p:pic>
+        <p:nvPicPr>
+          <p:cNvPr id="2" name="Bild 1" descr="1024px-Linear_regression.svg.png"/>
+          <p:cNvPicPr>
+            <a:picLocks noChangeAspect="1"/>
+          </p:cNvPicPr>
+          <p:nvPr/>
+        </p:nvPicPr>
+        <p:blipFill>
+          <a:blip r:embed="rId2">
+            <a:extLst>
+              <a:ext uri="{28A0092B-C50C-407E-A947-70E740481C1C}">
+                <a14:useLocalDpi xmlns:a14="http://schemas.microsoft.com/office/drawing/2010/main" val="0"/>
+              </a:ext>
+            </a:extLst>
+          </a:blip>
+          <a:stretch>
+            <a:fillRect/>
+          </a:stretch>
+        </p:blipFill>
+        <p:spPr>
+          <a:xfrm>
+            <a:off x="547740" y="1248958"/>
+            <a:ext cx="7975967" cy="5265385"/>
+          </a:xfrm>
+          <a:prstGeom prst="rect">
+            <a:avLst/>
+          </a:prstGeom>
+        </p:spPr>
+      </p:pic>
+      <p:sp>
+        <p:nvSpPr>
+          <p:cNvPr id="3" name="Rechteck 2"/>
+          <p:cNvSpPr/>
+          <p:nvPr/>
+        </p:nvSpPr>
+        <p:spPr>
+          <a:xfrm rot="20149056">
+            <a:off x="506080" y="3387484"/>
+            <a:ext cx="8061385" cy="913885"/>
+          </a:xfrm>
+          <a:prstGeom prst="rect">
+            <a:avLst/>
+          </a:prstGeom>
+          <a:gradFill flip="none" rotWithShape="1">
+            <a:gsLst>
+              <a:gs pos="0">
+                <a:schemeClr val="accent1">
+                  <a:tint val="100000"/>
+                  <a:shade val="100000"/>
+                  <a:satMod val="130000"/>
+                  <a:alpha val="30000"/>
+                </a:schemeClr>
+              </a:gs>
+              <a:gs pos="100000">
+                <a:schemeClr val="accent1">
+                  <a:tint val="50000"/>
+                  <a:shade val="100000"/>
+                  <a:satMod val="350000"/>
+                  <a:alpha val="30000"/>
+                </a:schemeClr>
+              </a:gs>
+            </a:gsLst>
+            <a:lin ang="16200000" scaled="0"/>
+            <a:tileRect/>
+          </a:gradFill>
+          <a:ln>
+            <a:noFill/>
+          </a:ln>
+        </p:spPr>
+        <p:style>
+          <a:lnRef idx="1">
+            <a:schemeClr val="accent1"/>
+          </a:lnRef>
+          <a:fillRef idx="3">
+            <a:schemeClr val="accent1"/>
+          </a:fillRef>
+          <a:effectRef idx="2">
+            <a:schemeClr val="accent1"/>
+          </a:effectRef>
+          <a:fontRef idx="minor">
+            <a:schemeClr val="lt1"/>
+          </a:fontRef>
+        </p:style>
+        <p:txBody>
+          <a:bodyPr rtlCol="0" anchor="ctr"/>
+          <a:lstStyle/>
+          <a:p>
+            <a:pPr algn="ctr"/>
             <a:endParaRPr lang="de-DE"/>
           </a:p>
         </p:txBody>
@@ -3508,7 +3772,7 @@
     </p:spTree>
     <p:extLst>
       <p:ext uri="{BB962C8B-B14F-4D97-AF65-F5344CB8AC3E}">
-        <p14:creationId xmlns:p14="http://schemas.microsoft.com/office/powerpoint/2010/main" val="3040466632"/>
+        <p14:creationId xmlns:p14="http://schemas.microsoft.com/office/powerpoint/2010/main" val="200396920"/>
       </p:ext>
     </p:extLst>
   </p:cSld>
@@ -3519,6 +3783,96 @@
 </file>
 
 <file path=ppt/slides/slide4.xml><?xml version="1.0" encoding="utf-8"?>
+<p:sld xmlns:a="http://schemas.openxmlformats.org/drawingml/2006/main" xmlns:r="http://schemas.openxmlformats.org/officeDocument/2006/relationships" xmlns:p="http://schemas.openxmlformats.org/presentationml/2006/main">
+  <p:cSld>
+    <p:spTree>
+      <p:nvGrpSpPr>
+        <p:cNvPr id="1" name=""/>
+        <p:cNvGrpSpPr/>
+        <p:nvPr/>
+      </p:nvGrpSpPr>
+      <p:grpSpPr>
+        <a:xfrm>
+          <a:off x="0" y="0"/>
+          <a:ext cx="0" cy="0"/>
+          <a:chOff x="0" y="0"/>
+          <a:chExt cx="0" cy="0"/>
+        </a:xfrm>
+      </p:grpSpPr>
+      <p:pic>
+        <p:nvPicPr>
+          <p:cNvPr id="4" name="Bild 3" descr="Screen Shot 2015-03-21 at 13.18.46.png"/>
+          <p:cNvPicPr>
+            <a:picLocks noChangeAspect="1"/>
+          </p:cNvPicPr>
+          <p:nvPr/>
+        </p:nvPicPr>
+        <p:blipFill>
+          <a:blip r:embed="rId2">
+            <a:extLst>
+              <a:ext uri="{28A0092B-C50C-407E-A947-70E740481C1C}">
+                <a14:useLocalDpi xmlns:a14="http://schemas.microsoft.com/office/drawing/2010/main" val="0"/>
+              </a:ext>
+            </a:extLst>
+          </a:blip>
+          <a:stretch>
+            <a:fillRect/>
+          </a:stretch>
+        </p:blipFill>
+        <p:spPr>
+          <a:xfrm>
+            <a:off x="274959" y="1073711"/>
+            <a:ext cx="8510614" cy="4871052"/>
+          </a:xfrm>
+          <a:prstGeom prst="rect">
+            <a:avLst/>
+          </a:prstGeom>
+        </p:spPr>
+      </p:pic>
+      <p:sp>
+        <p:nvSpPr>
+          <p:cNvPr id="5" name="Textfeld 4"/>
+          <p:cNvSpPr txBox="1"/>
+          <p:nvPr/>
+        </p:nvSpPr>
+        <p:spPr>
+          <a:xfrm>
+            <a:off x="204773" y="154018"/>
+            <a:ext cx="8489146" cy="646331"/>
+          </a:xfrm>
+          <a:prstGeom prst="rect">
+            <a:avLst/>
+          </a:prstGeom>
+          <a:noFill/>
+        </p:spPr>
+        <p:txBody>
+          <a:bodyPr wrap="square" rtlCol="0">
+            <a:spAutoFit/>
+          </a:bodyPr>
+          <a:lstStyle/>
+          <a:p>
+            <a:r>
+              <a:rPr lang="de-DE" sz="3600" dirty="0" smtClean="0"/>
+              <a:t>User Interface</a:t>
+            </a:r>
+            <a:endParaRPr lang="de-DE" sz="3600" dirty="0"/>
+          </a:p>
+        </p:txBody>
+      </p:sp>
+    </p:spTree>
+    <p:extLst>
+      <p:ext uri="{BB962C8B-B14F-4D97-AF65-F5344CB8AC3E}">
+        <p14:creationId xmlns:p14="http://schemas.microsoft.com/office/powerpoint/2010/main" val="2518500400"/>
+      </p:ext>
+    </p:extLst>
+  </p:cSld>
+  <p:clrMapOvr>
+    <a:masterClrMapping/>
+  </p:clrMapOvr>
+</p:sld>
+</file>
+
+<file path=ppt/slides/slide5.xml><?xml version="1.0" encoding="utf-8"?>
 <p:sld xmlns:a="http://schemas.openxmlformats.org/drawingml/2006/main" xmlns:r="http://schemas.openxmlformats.org/officeDocument/2006/relationships" xmlns:p="http://schemas.openxmlformats.org/presentationml/2006/main">
   <p:cSld>
     <p:spTree>
@@ -3557,14 +3911,48 @@
         </p:blipFill>
         <p:spPr>
           <a:xfrm>
-            <a:off x="659098" y="340444"/>
-            <a:ext cx="7921891" cy="5941418"/>
+            <a:off x="890342" y="887042"/>
+            <a:ext cx="7402596" cy="5551947"/>
           </a:xfrm>
           <a:prstGeom prst="rect">
             <a:avLst/>
           </a:prstGeom>
         </p:spPr>
       </p:pic>
+      <p:sp>
+        <p:nvSpPr>
+          <p:cNvPr id="6" name="Textfeld 5"/>
+          <p:cNvSpPr txBox="1"/>
+          <p:nvPr/>
+        </p:nvSpPr>
+        <p:spPr>
+          <a:xfrm>
+            <a:off x="204773" y="154018"/>
+            <a:ext cx="8489146" cy="646331"/>
+          </a:xfrm>
+          <a:prstGeom prst="rect">
+            <a:avLst/>
+          </a:prstGeom>
+          <a:noFill/>
+        </p:spPr>
+        <p:txBody>
+          <a:bodyPr wrap="square" rtlCol="0">
+            <a:spAutoFit/>
+          </a:bodyPr>
+          <a:lstStyle/>
+          <a:p>
+            <a:r>
+              <a:rPr lang="de-DE" sz="3600" dirty="0" smtClean="0"/>
+              <a:t>Team </a:t>
+            </a:r>
+            <a:r>
+              <a:rPr lang="de-DE" sz="3600" dirty="0" err="1" smtClean="0"/>
+              <a:t>Tolerance</a:t>
+            </a:r>
+            <a:endParaRPr lang="de-DE" sz="3600" dirty="0"/>
+          </a:p>
+        </p:txBody>
+      </p:sp>
     </p:spTree>
     <p:extLst>
       <p:ext uri="{BB962C8B-B14F-4D97-AF65-F5344CB8AC3E}">
